--- a/figs/bootstrap.pptx
+++ b/figs/bootstrap.pptx
@@ -243,7 +243,7 @@
           <a:p>
             <a:fld id="{15BA2666-BF33-4680-BA34-36BABF1C1754}" type="datetimeFigureOut">
               <a:rPr kumimoji="1" lang="ja-JP" altLang="en-US" smtClean="0"/>
-              <a:t>2021/9/24</a:t>
+              <a:t>2022/9/2</a:t>
             </a:fld>
             <a:endParaRPr kumimoji="1" lang="ja-JP" altLang="en-US"/>
           </a:p>
@@ -445,7 +445,7 @@
           <a:p>
             <a:fld id="{15BA2666-BF33-4680-BA34-36BABF1C1754}" type="datetimeFigureOut">
               <a:rPr kumimoji="1" lang="ja-JP" altLang="en-US" smtClean="0"/>
-              <a:t>2021/9/24</a:t>
+              <a:t>2022/9/2</a:t>
             </a:fld>
             <a:endParaRPr kumimoji="1" lang="ja-JP" altLang="en-US"/>
           </a:p>
@@ -657,7 +657,7 @@
           <a:p>
             <a:fld id="{15BA2666-BF33-4680-BA34-36BABF1C1754}" type="datetimeFigureOut">
               <a:rPr kumimoji="1" lang="ja-JP" altLang="en-US" smtClean="0"/>
-              <a:t>2021/9/24</a:t>
+              <a:t>2022/9/2</a:t>
             </a:fld>
             <a:endParaRPr kumimoji="1" lang="ja-JP" altLang="en-US"/>
           </a:p>
@@ -859,7 +859,7 @@
           <a:p>
             <a:fld id="{15BA2666-BF33-4680-BA34-36BABF1C1754}" type="datetimeFigureOut">
               <a:rPr kumimoji="1" lang="ja-JP" altLang="en-US" smtClean="0"/>
-              <a:t>2021/9/24</a:t>
+              <a:t>2022/9/2</a:t>
             </a:fld>
             <a:endParaRPr kumimoji="1" lang="ja-JP" altLang="en-US"/>
           </a:p>
@@ -1105,7 +1105,7 @@
           <a:p>
             <a:fld id="{15BA2666-BF33-4680-BA34-36BABF1C1754}" type="datetimeFigureOut">
               <a:rPr kumimoji="1" lang="ja-JP" altLang="en-US" smtClean="0"/>
-              <a:t>2021/9/24</a:t>
+              <a:t>2022/9/2</a:t>
             </a:fld>
             <a:endParaRPr kumimoji="1" lang="ja-JP" altLang="en-US"/>
           </a:p>
@@ -1401,7 +1401,7 @@
           <a:p>
             <a:fld id="{15BA2666-BF33-4680-BA34-36BABF1C1754}" type="datetimeFigureOut">
               <a:rPr kumimoji="1" lang="ja-JP" altLang="en-US" smtClean="0"/>
-              <a:t>2021/9/24</a:t>
+              <a:t>2022/9/2</a:t>
             </a:fld>
             <a:endParaRPr kumimoji="1" lang="ja-JP" altLang="en-US"/>
           </a:p>
@@ -1832,7 +1832,7 @@
           <a:p>
             <a:fld id="{15BA2666-BF33-4680-BA34-36BABF1C1754}" type="datetimeFigureOut">
               <a:rPr kumimoji="1" lang="ja-JP" altLang="en-US" smtClean="0"/>
-              <a:t>2021/9/24</a:t>
+              <a:t>2022/9/2</a:t>
             </a:fld>
             <a:endParaRPr kumimoji="1" lang="ja-JP" altLang="en-US"/>
           </a:p>
@@ -1950,7 +1950,7 @@
           <a:p>
             <a:fld id="{15BA2666-BF33-4680-BA34-36BABF1C1754}" type="datetimeFigureOut">
               <a:rPr kumimoji="1" lang="ja-JP" altLang="en-US" smtClean="0"/>
-              <a:t>2021/9/24</a:t>
+              <a:t>2022/9/2</a:t>
             </a:fld>
             <a:endParaRPr kumimoji="1" lang="ja-JP" altLang="en-US"/>
           </a:p>
@@ -2045,7 +2045,7 @@
           <a:p>
             <a:fld id="{15BA2666-BF33-4680-BA34-36BABF1C1754}" type="datetimeFigureOut">
               <a:rPr kumimoji="1" lang="ja-JP" altLang="en-US" smtClean="0"/>
-              <a:t>2021/9/24</a:t>
+              <a:t>2022/9/2</a:t>
             </a:fld>
             <a:endParaRPr kumimoji="1" lang="ja-JP" altLang="en-US"/>
           </a:p>
@@ -2354,7 +2354,7 @@
           <a:p>
             <a:fld id="{15BA2666-BF33-4680-BA34-36BABF1C1754}" type="datetimeFigureOut">
               <a:rPr kumimoji="1" lang="ja-JP" altLang="en-US" smtClean="0"/>
-              <a:t>2021/9/24</a:t>
+              <a:t>2022/9/2</a:t>
             </a:fld>
             <a:endParaRPr kumimoji="1" lang="ja-JP" altLang="en-US"/>
           </a:p>
@@ -2611,7 +2611,7 @@
           <a:p>
             <a:fld id="{15BA2666-BF33-4680-BA34-36BABF1C1754}" type="datetimeFigureOut">
               <a:rPr kumimoji="1" lang="ja-JP" altLang="en-US" smtClean="0"/>
-              <a:t>2021/9/24</a:t>
+              <a:t>2022/9/2</a:t>
             </a:fld>
             <a:endParaRPr kumimoji="1" lang="ja-JP" altLang="en-US"/>
           </a:p>
@@ -2856,7 +2856,7 @@
           <a:p>
             <a:fld id="{15BA2666-BF33-4680-BA34-36BABF1C1754}" type="datetimeFigureOut">
               <a:rPr kumimoji="1" lang="ja-JP" altLang="en-US" smtClean="0"/>
-              <a:t>2021/9/24</a:t>
+              <a:t>2022/9/2</a:t>
             </a:fld>
             <a:endParaRPr kumimoji="1" lang="ja-JP" altLang="en-US"/>
           </a:p>
@@ -3578,146 +3578,13 @@
       </mc:AlternateContent>
       <p:sp>
         <p:nvSpPr>
-          <p:cNvPr id="13" name="テキスト ボックス 12"/>
-          <p:cNvSpPr txBox="1"/>
-          <p:nvPr/>
-        </p:nvSpPr>
-        <p:spPr>
-          <a:xfrm>
-            <a:off x="8177275" y="567578"/>
-            <a:ext cx="3164542" cy="433517"/>
-          </a:xfrm>
-          <a:prstGeom prst="rect">
-            <a:avLst/>
-          </a:prstGeom>
-          <a:noFill/>
-        </p:spPr>
-        <p:txBody>
-          <a:bodyPr wrap="square" rtlCol="0">
-            <a:spAutoFit/>
-          </a:bodyPr>
-          <a:lstStyle/>
-          <a:p>
-            <a:r>
-              <a:rPr lang="en-US" altLang="ja-JP" sz="2217" b="1" dirty="0"/>
-              <a:t>Empirical distribution</a:t>
-            </a:r>
-            <a:endParaRPr lang="ja-JP" altLang="en-US" sz="2217" b="1" dirty="0"/>
-          </a:p>
-        </p:txBody>
-      </p:sp>
-      <mc:AlternateContent xmlns:mc="http://schemas.openxmlformats.org/markup-compatibility/2006" xmlns:a14="http://schemas.microsoft.com/office/drawing/2010/main">
-        <mc:Choice Requires="a14">
-          <p:sp>
-            <p:nvSpPr>
-              <p:cNvPr id="14" name="テキスト ボックス 13"/>
-              <p:cNvSpPr txBox="1"/>
-              <p:nvPr/>
-            </p:nvSpPr>
-            <p:spPr>
-              <a:xfrm>
-                <a:off x="9342273" y="994083"/>
-                <a:ext cx="834546" cy="682366"/>
-              </a:xfrm>
-              <a:prstGeom prst="rect">
-                <a:avLst/>
-              </a:prstGeom>
-              <a:noFill/>
-            </p:spPr>
-            <p:txBody>
-              <a:bodyPr wrap="square" lIns="0" tIns="0" rIns="0" bIns="0" rtlCol="0">
-                <a:spAutoFit/>
-              </a:bodyPr>
-              <a:lstStyle/>
-              <a:p>
-                <a:pPr/>
-                <a14:m>
-                  <m:oMathPara xmlns:m="http://schemas.openxmlformats.org/officeDocument/2006/math">
-                    <m:oMathParaPr>
-                      <m:jc m:val="centerGroup"/>
-                    </m:oMathParaPr>
-                    <m:oMath xmlns:m="http://schemas.openxmlformats.org/officeDocument/2006/math">
-                      <m:sSub>
-                        <m:sSubPr>
-                          <m:ctrlPr>
-                            <a:rPr lang="en-US" altLang="ja-JP" sz="4434" i="1">
-                              <a:latin typeface="Cambria Math" panose="02040503050406030204" pitchFamily="18" charset="0"/>
-                            </a:rPr>
-                          </m:ctrlPr>
-                        </m:sSubPr>
-                        <m:e>
-                          <m:r>
-                            <a:rPr lang="en-US" altLang="ja-JP" sz="4434" i="1">
-                              <a:latin typeface="Cambria Math" panose="02040503050406030204" pitchFamily="18" charset="0"/>
-                            </a:rPr>
-                            <m:t>𝐹</m:t>
-                          </m:r>
-                        </m:e>
-                        <m:sub>
-                          <m:r>
-                            <a:rPr lang="en-US" altLang="ja-JP" sz="4434" i="1">
-                              <a:latin typeface="Cambria Math" panose="02040503050406030204" pitchFamily="18" charset="0"/>
-                            </a:rPr>
-                            <m:t>𝑛</m:t>
-                          </m:r>
-                        </m:sub>
-                      </m:sSub>
-                    </m:oMath>
-                  </m:oMathPara>
-                </a14:m>
-                <a:endParaRPr lang="ja-JP" altLang="en-US" sz="2587" dirty="0"/>
-              </a:p>
-            </p:txBody>
-          </p:sp>
-        </mc:Choice>
-        <mc:Fallback xmlns="">
-          <p:sp>
-            <p:nvSpPr>
-              <p:cNvPr id="14" name="テキスト ボックス 13"/>
-              <p:cNvSpPr txBox="1">
-                <a:spLocks noRot="1" noChangeAspect="1" noMove="1" noResize="1" noEditPoints="1" noAdjustHandles="1" noChangeArrowheads="1" noChangeShapeType="1" noTextEdit="1"/>
-              </p:cNvSpPr>
-              <p:nvPr/>
-            </p:nvSpPr>
-            <p:spPr>
-              <a:xfrm>
-                <a:off x="9342273" y="994083"/>
-                <a:ext cx="834546" cy="682366"/>
-              </a:xfrm>
-              <a:prstGeom prst="rect">
-                <a:avLst/>
-              </a:prstGeom>
-              <a:blipFill>
-                <a:blip r:embed="rId4"/>
-                <a:stretch>
-                  <a:fillRect/>
-                </a:stretch>
-              </a:blipFill>
-            </p:spPr>
-            <p:txBody>
-              <a:bodyPr/>
-              <a:lstStyle/>
-              <a:p>
-                <a:r>
-                  <a:rPr lang="ja-JP" altLang="en-US">
-                    <a:noFill/>
-                  </a:rPr>
-                  <a:t> </a:t>
-                </a:r>
-              </a:p>
-            </p:txBody>
-          </p:sp>
-        </mc:Fallback>
-      </mc:AlternateContent>
-      <p:sp>
-        <p:nvSpPr>
           <p:cNvPr id="16" name="テキスト ボックス 15"/>
           <p:cNvSpPr txBox="1"/>
           <p:nvPr/>
         </p:nvSpPr>
         <p:spPr>
           <a:xfrm>
-            <a:off x="8177276" y="1838652"/>
+            <a:off x="8173656" y="973757"/>
             <a:ext cx="2990822" cy="433517"/>
           </a:xfrm>
           <a:prstGeom prst="rect">
@@ -3739,8 +3606,8 @@
           </a:p>
         </p:txBody>
       </p:sp>
-      <mc:AlternateContent xmlns:mc="http://schemas.openxmlformats.org/markup-compatibility/2006" xmlns:a14="http://schemas.microsoft.com/office/drawing/2010/main">
-        <mc:Choice Requires="a14">
+      <mc:AlternateContent xmlns:mc="http://schemas.openxmlformats.org/markup-compatibility/2006">
+        <mc:Choice xmlns:a14="http://schemas.microsoft.com/office/drawing/2010/main" Requires="a14">
           <p:sp>
             <p:nvSpPr>
               <p:cNvPr id="18" name="テキスト ボックス 17"/>
@@ -3749,7 +3616,7 @@
             </p:nvSpPr>
             <p:spPr>
               <a:xfrm>
-                <a:off x="8247715" y="2325644"/>
+                <a:off x="8244095" y="1460749"/>
                 <a:ext cx="3257605" cy="682366"/>
               </a:xfrm>
               <a:prstGeom prst="rect">
@@ -3871,7 +3738,7 @@
             </p:txBody>
           </p:sp>
         </mc:Choice>
-        <mc:Fallback xmlns="">
+        <mc:Fallback>
           <p:sp>
             <p:nvSpPr>
               <p:cNvPr id="18" name="テキスト ボックス 17"/>
@@ -3882,14 +3749,14 @@
             </p:nvSpPr>
             <p:spPr>
               <a:xfrm>
-                <a:off x="8247715" y="2325644"/>
+                <a:off x="8244095" y="1460749"/>
                 <a:ext cx="3257605" cy="682366"/>
               </a:xfrm>
               <a:prstGeom prst="rect">
                 <a:avLst/>
               </a:prstGeom>
               <a:blipFill>
-                <a:blip r:embed="rId5"/>
+                <a:blip r:embed="rId4"/>
                 <a:stretch>
                   <a:fillRect/>
                 </a:stretch>
@@ -4249,7 +4116,7 @@
         </p:nvSpPr>
         <p:spPr>
           <a:xfrm>
-            <a:off x="8181818" y="4241228"/>
+            <a:off x="8178198" y="3997773"/>
             <a:ext cx="2990822" cy="433517"/>
           </a:xfrm>
           <a:prstGeom prst="rect">
@@ -4271,8 +4138,8 @@
           </a:p>
         </p:txBody>
       </p:sp>
-      <mc:AlternateContent xmlns:mc="http://schemas.openxmlformats.org/markup-compatibility/2006" xmlns:a14="http://schemas.microsoft.com/office/drawing/2010/main">
-        <mc:Choice Requires="a14">
+      <mc:AlternateContent xmlns:mc="http://schemas.openxmlformats.org/markup-compatibility/2006">
+        <mc:Choice xmlns:a14="http://schemas.microsoft.com/office/drawing/2010/main" Requires="a14">
           <p:sp>
             <p:nvSpPr>
               <p:cNvPr id="28" name="テキスト ボックス 27"/>
@@ -4281,7 +4148,7 @@
             </p:nvSpPr>
             <p:spPr>
               <a:xfrm>
-                <a:off x="8252258" y="4728221"/>
+                <a:off x="8248638" y="4484766"/>
                 <a:ext cx="3257605" cy="682366"/>
               </a:xfrm>
               <a:prstGeom prst="rect">
@@ -4411,7 +4278,7 @@
             </p:txBody>
           </p:sp>
         </mc:Choice>
-        <mc:Fallback xmlns="">
+        <mc:Fallback>
           <p:sp>
             <p:nvSpPr>
               <p:cNvPr id="28" name="テキスト ボックス 27"/>
@@ -4422,7 +4289,7 @@
             </p:nvSpPr>
             <p:spPr>
               <a:xfrm>
-                <a:off x="8252258" y="4728221"/>
+                <a:off x="8248638" y="4484766"/>
                 <a:ext cx="3257605" cy="682366"/>
               </a:xfrm>
               <a:prstGeom prst="rect">
@@ -4547,13 +4414,13 @@
         </p:nvSpPr>
         <p:spPr>
           <a:xfrm flipH="1">
-            <a:off x="10038848" y="2391192"/>
+            <a:off x="10106108" y="2006253"/>
             <a:ext cx="1637074" cy="3126850"/>
           </a:xfrm>
           <a:prstGeom prst="arc">
             <a:avLst>
               <a:gd name="adj1" fmla="val 7411783"/>
-              <a:gd name="adj2" fmla="val 14160460"/>
+              <a:gd name="adj2" fmla="val 15094072"/>
             </a:avLst>
           </a:prstGeom>
           <a:ln w="28575">
@@ -4596,7 +4463,7 @@
         </p:nvSpPr>
         <p:spPr>
           <a:xfrm rot="20714975">
-            <a:off x="10175427" y="3636767"/>
+            <a:off x="10161751" y="3158623"/>
             <a:ext cx="3433698" cy="433517"/>
           </a:xfrm>
           <a:prstGeom prst="rect">
